--- a/pjt 관련 파일/231124_10기_부울경_2반_관통PJT_정종길_박수빈.pptx
+++ b/pjt 관련 파일/231124_10기_부울경_2반_관통PJT_정종길_박수빈.pptx
@@ -1,6 +1,6 @@
 
 <file path=ppt/presentation.xml><?xml version="1.0" encoding="utf-8"?>
-<p:presentation xmlns:a="http://schemas.openxmlformats.org/drawingml/2006/main" xmlns:r="http://schemas.openxmlformats.org/officeDocument/2006/relationships" xmlns:p="http://schemas.openxmlformats.org/presentationml/2006/main" saveSubsetFonts="1">
+<p:presentation xmlns:a="http://schemas.openxmlformats.org/drawingml/2006/main" xmlns:r="http://schemas.openxmlformats.org/officeDocument/2006/relationships" xmlns:p="http://schemas.openxmlformats.org/presentationml/2006/main" embedTrueTypeFonts="1" saveSubsetFonts="1">
   <p:sldMasterIdLst>
     <p:sldMasterId id="2147483648" r:id="rId1"/>
   </p:sldMasterIdLst>
@@ -18,6 +18,34 @@
   </p:sldIdLst>
   <p:sldSz cx="12192000" cy="6858000"/>
   <p:notesSz cx="6858000" cy="9144000"/>
+  <p:embeddedFontLst>
+    <p:embeddedFont>
+      <p:font typeface="Noto Sans KR SemiBold" panose="020B0200000000000000" pitchFamily="50" charset="-127"/>
+      <p:bold r:id="rId12"/>
+    </p:embeddedFont>
+    <p:embeddedFont>
+      <p:font typeface="맑은 고딕" panose="020B0503020000020004" pitchFamily="50" charset="-127"/>
+      <p:regular r:id="rId13"/>
+      <p:bold r:id="rId14"/>
+    </p:embeddedFont>
+    <p:embeddedFont>
+      <p:font typeface="Noto Sans KR Light" panose="020B0200000000000000" pitchFamily="50" charset="-127"/>
+      <p:regular r:id="rId15"/>
+    </p:embeddedFont>
+    <p:embeddedFont>
+      <p:font typeface="Noto Sans KR ExtraBold" panose="020B0200000000000000" pitchFamily="50" charset="-127"/>
+      <p:bold r:id="rId16"/>
+    </p:embeddedFont>
+    <p:embeddedFont>
+      <p:font typeface="Noto Sans KR" panose="020B0200000000000000" pitchFamily="50" charset="-127"/>
+      <p:regular r:id="rId17"/>
+      <p:bold r:id="rId18"/>
+    </p:embeddedFont>
+    <p:embeddedFont>
+      <p:font typeface="Noto Sans KR Black" panose="020B0200000000000000" pitchFamily="50" charset="-127"/>
+      <p:bold r:id="rId19"/>
+    </p:embeddedFont>
+  </p:embeddedFontLst>
   <p:defaultTextStyle>
     <a:defPPr>
       <a:defRPr lang="ko-KR"/>
@@ -7575,14 +7603,16 @@
       </p:pic>
       <p:pic>
         <p:nvPicPr>
-          <p:cNvPr id="5" name="그림 4"/>
+          <p:cNvPr id="5" name="그림 4">
+            <a:hlinkClick r:id="rId9" action="ppaction://hlinkfile"/>
+          </p:cNvPr>
           <p:cNvPicPr>
             <a:picLocks noChangeAspect="1"/>
           </p:cNvPicPr>
           <p:nvPr/>
         </p:nvPicPr>
         <p:blipFill>
-          <a:blip r:embed="rId9">
+          <a:blip r:embed="rId10">
             <a:extLst>
               <a:ext uri="{28A0092B-C50C-407E-A947-70E740481C1C}">
                 <a14:useLocalDpi xmlns:a14="http://schemas.microsoft.com/office/drawing/2010/main" val="0"/>
@@ -7612,7 +7642,7 @@
           <p:nvPr/>
         </p:nvPicPr>
         <p:blipFill>
-          <a:blip r:embed="rId10" cstate="print">
+          <a:blip r:embed="rId11" cstate="print">
             <a:extLst>
               <a:ext uri="{28A0092B-C50C-407E-A947-70E740481C1C}">
                 <a14:useLocalDpi xmlns:a14="http://schemas.microsoft.com/office/drawing/2010/main" val="0"/>
@@ -7642,7 +7672,7 @@
           <p:nvPr/>
         </p:nvPicPr>
         <p:blipFill rotWithShape="1">
-          <a:blip r:embed="rId11">
+          <a:blip r:embed="rId12">
             <a:extLst>
               <a:ext uri="{28A0092B-C50C-407E-A947-70E740481C1C}">
                 <a14:useLocalDpi xmlns:a14="http://schemas.microsoft.com/office/drawing/2010/main" val="0"/>
@@ -7671,7 +7701,7 @@
           <p:nvPr/>
         </p:nvPicPr>
         <p:blipFill rotWithShape="1">
-          <a:blip r:embed="rId11">
+          <a:blip r:embed="rId12">
             <a:extLst>
               <a:ext uri="{28A0092B-C50C-407E-A947-70E740481C1C}">
                 <a14:useLocalDpi xmlns:a14="http://schemas.microsoft.com/office/drawing/2010/main" val="0"/>
